--- a/ColorFLEX.pptx
+++ b/ColorFLEX.pptx
@@ -107,6 +107,11 @@
       </a:defRPr>
     </a:lvl9pPr>
   </p:defaultTextStyle>
+  <p:extLst>
+    <p:ext uri="{EFAFB233-063F-42B5-8137-9DF3F51BA10A}">
+      <p15:sldGuideLst xmlns:p15="http://schemas.microsoft.com/office/powerpoint/2012/main"/>
+    </p:ext>
+  </p:extLst>
 </p:presentation>
 </file>
 
@@ -3967,7 +3972,7 @@
           <a:p>
             <a:r>
               <a:rPr lang="en-GB" sz="3200" dirty="0"/>
-              <a:t>If you actually even care, you might not know that wearing red trousers and a green jumper is perhaps not the most aesthetically appealing</a:t>
+              <a:t>you might not know that wearing red trousers and a green jumper is perhaps not the most aesthetically appealing</a:t>
             </a:r>
           </a:p>
           <a:p>
@@ -4166,58 +4171,58 @@
         <p:spPr/>
         <p:txBody>
           <a:bodyPr>
-            <a:normAutofit lnSpcReduction="10000"/>
+            <a:normAutofit fontScale="85000" lnSpcReduction="10000"/>
           </a:bodyPr>
           <a:lstStyle/>
           <a:p>
             <a:r>
-              <a:rPr lang="en-GB" dirty="0"/>
+              <a:rPr lang="en-GB" sz="2400" dirty="0"/>
               <a:t>A </a:t>
             </a:r>
             <a:r>
-              <a:rPr lang="en-GB" dirty="0" err="1"/>
+              <a:rPr lang="en-GB" sz="2400" dirty="0" err="1"/>
               <a:t>webapp</a:t>
             </a:r>
             <a:r>
-              <a:rPr lang="en-GB" dirty="0"/>
+              <a:rPr lang="en-GB" sz="2400" dirty="0"/>
               <a:t> using html/</a:t>
             </a:r>
             <a:r>
-              <a:rPr lang="en-GB" dirty="0" err="1"/>
+              <a:rPr lang="en-GB" sz="2400" dirty="0" err="1"/>
               <a:t>javascript</a:t>
             </a:r>
             <a:r>
-              <a:rPr lang="en-GB" dirty="0"/>
+              <a:rPr lang="en-GB" sz="2400" dirty="0"/>
               <a:t> where a user can import  a picture of their item of clothing.</a:t>
             </a:r>
           </a:p>
           <a:p>
-            <a:endParaRPr lang="en-GB" dirty="0"/>
-          </a:p>
-          <a:p>
-            <a:r>
-              <a:rPr lang="en-GB" dirty="0"/>
+            <a:endParaRPr lang="en-GB" sz="2400" dirty="0"/>
+          </a:p>
+          <a:p>
+            <a:r>
+              <a:rPr lang="en-GB" sz="2400" dirty="0"/>
               <a:t>A query is made to a colour recognising API that returns an array of RGB values which are then fed to another API that returns the best user made colour palettes that include the colours from the photo.</a:t>
             </a:r>
           </a:p>
           <a:p>
-            <a:endParaRPr lang="en-GB" dirty="0"/>
-          </a:p>
-          <a:p>
-            <a:r>
-              <a:rPr lang="en-GB" dirty="0"/>
+            <a:endParaRPr lang="en-GB" sz="2400" dirty="0"/>
+          </a:p>
+          <a:p>
+            <a:r>
+              <a:rPr lang="en-GB" sz="2400" dirty="0"/>
               <a:t>Once the colours are loaded, one can click the colours to get a link to highest rated items of clothing (in t shirts, trousers, shoes, shirts etc) SO YOU CAN BUY THEM STRAIGHT AWAY*</a:t>
             </a:r>
           </a:p>
           <a:p>
-            <a:endParaRPr lang="en-GB" dirty="0"/>
-          </a:p>
-          <a:p>
-            <a:endParaRPr lang="en-GB" dirty="0"/>
-          </a:p>
-          <a:p>
-            <a:r>
-              <a:rPr lang="en-GB" sz="1400" dirty="0"/>
+            <a:endParaRPr lang="en-GB" sz="2400" dirty="0"/>
+          </a:p>
+          <a:p>
+            <a:endParaRPr lang="en-GB" sz="2400" dirty="0"/>
+          </a:p>
+          <a:p>
+            <a:r>
+              <a:rPr lang="en-GB" sz="1600" dirty="0"/>
               <a:t>*obviously these are affiliate links so we can get the $$$$$$$$$$$$$$$</a:t>
             </a:r>
           </a:p>
